--- a/Poster.pptx
+++ b/Poster.pptx
@@ -1327,8 +1327,8 @@
       </dsp:nvSpPr>
       <dsp:spPr>
         <a:xfrm>
-          <a:off x="3919" y="542713"/>
-          <a:ext cx="3932905" cy="1573162"/>
+          <a:off x="4031" y="824394"/>
+          <a:ext cx="4044599" cy="1617839"/>
         </a:xfrm>
         <a:prstGeom prst="homePlate">
           <a:avLst/>
@@ -1393,8 +1393,8 @@
         </a:p>
       </dsp:txBody>
       <dsp:txXfrm>
-        <a:off x="3919" y="542713"/>
-        <a:ext cx="3539615" cy="1573162"/>
+        <a:off x="4031" y="824394"/>
+        <a:ext cx="3640139" cy="1617839"/>
       </dsp:txXfrm>
     </dsp:sp>
     <dsp:sp modelId="{2C388292-4C1E-BD4D-BDFC-34467A7BFF98}">
@@ -1404,8 +1404,8 @@
       </dsp:nvSpPr>
       <dsp:spPr>
         <a:xfrm>
-          <a:off x="3150244" y="542713"/>
-          <a:ext cx="3932905" cy="1573162"/>
+          <a:off x="3239711" y="824394"/>
+          <a:ext cx="4044599" cy="1617839"/>
         </a:xfrm>
         <a:prstGeom prst="chevron">
           <a:avLst/>
@@ -1470,8 +1470,8 @@
         </a:p>
       </dsp:txBody>
       <dsp:txXfrm>
-        <a:off x="3936825" y="542713"/>
-        <a:ext cx="2359743" cy="1573162"/>
+        <a:off x="4048631" y="824394"/>
+        <a:ext cx="2426760" cy="1617839"/>
       </dsp:txXfrm>
     </dsp:sp>
     <dsp:sp modelId="{1A7FDF93-415F-E445-B00A-1F5931ED6130}">
@@ -1481,8 +1481,8 @@
       </dsp:nvSpPr>
       <dsp:spPr>
         <a:xfrm>
-          <a:off x="6296568" y="542713"/>
-          <a:ext cx="3932905" cy="1573162"/>
+          <a:off x="6475391" y="824394"/>
+          <a:ext cx="4044599" cy="1617839"/>
         </a:xfrm>
         <a:prstGeom prst="chevron">
           <a:avLst/>
@@ -1547,8 +1547,8 @@
         </a:p>
       </dsp:txBody>
       <dsp:txXfrm>
-        <a:off x="7083149" y="542713"/>
-        <a:ext cx="2359743" cy="1573162"/>
+        <a:off x="7284311" y="824394"/>
+        <a:ext cx="2426760" cy="1617839"/>
       </dsp:txXfrm>
     </dsp:sp>
     <dsp:sp modelId="{CDA46064-8EA6-4344-AD32-6C85242617D2}">
@@ -1558,8 +1558,8 @@
       </dsp:nvSpPr>
       <dsp:spPr>
         <a:xfrm>
-          <a:off x="9442893" y="542713"/>
-          <a:ext cx="3932905" cy="1573162"/>
+          <a:off x="9711070" y="824394"/>
+          <a:ext cx="4044599" cy="1617839"/>
         </a:xfrm>
         <a:prstGeom prst="chevron">
           <a:avLst/>
@@ -1624,8 +1624,8 @@
         </a:p>
       </dsp:txBody>
       <dsp:txXfrm>
-        <a:off x="10229474" y="542713"/>
-        <a:ext cx="2359743" cy="1573162"/>
+        <a:off x="10519990" y="824394"/>
+        <a:ext cx="2426760" cy="1617839"/>
       </dsp:txXfrm>
     </dsp:sp>
   </dsp:spTree>
@@ -6374,7 +6374,7 @@
         <p:spPr>
           <a:xfrm>
             <a:off x="1946361" y="6489292"/>
-            <a:ext cx="12746404" cy="9204953"/>
+            <a:ext cx="12746404" cy="11605611"/>
           </a:xfrm>
           <a:prstGeom prst="rect">
             <a:avLst/>
@@ -6397,17 +6397,27 @@
                 <a:latin typeface="Times New Roman"/>
                 <a:cs typeface="Times New Roman"/>
               </a:rPr>
-              <a:t>Einleitung:</a:t>
-            </a:r>
-            <a:endParaRPr lang="de-DE" sz="5200" dirty="0">
-              <a:solidFill>
-                <a:srgbClr val="000000"/>
-              </a:solidFill>
-              <a:latin typeface="Times New Roman"/>
-              <a:cs typeface="Times New Roman"/>
-            </a:endParaRPr>
-          </a:p>
-          <a:p>
+              <a:t>Einleitung</a:t>
+            </a:r>
+            <a:r>
+              <a:rPr lang="de-DE" sz="5200" b="1" dirty="0" smtClean="0">
+                <a:latin typeface="Times New Roman"/>
+                <a:cs typeface="Times New Roman"/>
+              </a:rPr>
+              <a:t>:</a:t>
+            </a:r>
+          </a:p>
+          <a:p>
+            <a:r>
+              <a:rPr lang="de-DE" sz="5200" dirty="0" smtClean="0">
+                <a:solidFill>
+                  <a:srgbClr val="000000"/>
+                </a:solidFill>
+                <a:latin typeface="Times New Roman"/>
+                <a:cs typeface="Times New Roman"/>
+              </a:rPr>
+              <a:t>Die </a:t>
+            </a:r>
             <a:r>
               <a:rPr lang="de-DE" sz="5200" dirty="0">
                 <a:solidFill>
@@ -6416,12 +6426,169 @@
                 <a:latin typeface="Times New Roman"/>
                 <a:cs typeface="Times New Roman"/>
               </a:rPr>
-              <a:t>Die Max-Brauer-Allee gilt schon seit Jahren als eine der größten Problemstraßen Hamburgs, doch verbessert hat sich seitdem kaum etwas. Die Stadt Hamburg hat gegen die Probleme nun ein Dieselfahrverbot für die Max-Brauer-Allee erlassen, der ADFC schlägt hingegen eine Tempo-30 Zone vor. Mit unserer Simulation haben wir geprüft wie sinnvoll eine Tempo-30-Beschränkung in der Max-Brauer-Allee wäre.</a:t>
-            </a:r>
-            <a:endParaRPr lang="de-DE" sz="5200" dirty="0">
+              <a:t>Max-Brauer-Allee </a:t>
+            </a:r>
+            <a:endParaRPr lang="de-DE" sz="5200" dirty="0" smtClean="0">
+              <a:solidFill>
+                <a:srgbClr val="000000"/>
+              </a:solidFill>
               <a:latin typeface="Times New Roman"/>
               <a:cs typeface="Times New Roman"/>
             </a:endParaRPr>
+          </a:p>
+          <a:p>
+            <a:r>
+              <a:rPr lang="de-DE" sz="5200" dirty="0" smtClean="0">
+                <a:solidFill>
+                  <a:srgbClr val="000000"/>
+                </a:solidFill>
+                <a:latin typeface="Times New Roman"/>
+                <a:cs typeface="Times New Roman"/>
+              </a:rPr>
+              <a:t>gilt </a:t>
+            </a:r>
+            <a:r>
+              <a:rPr lang="de-DE" sz="5200" dirty="0">
+                <a:solidFill>
+                  <a:srgbClr val="000000"/>
+                </a:solidFill>
+                <a:latin typeface="Times New Roman"/>
+                <a:cs typeface="Times New Roman"/>
+              </a:rPr>
+              <a:t>schon seit Jahren </a:t>
+            </a:r>
+            <a:endParaRPr lang="de-DE" sz="5200" dirty="0" smtClean="0">
+              <a:solidFill>
+                <a:srgbClr val="000000"/>
+              </a:solidFill>
+              <a:latin typeface="Times New Roman"/>
+              <a:cs typeface="Times New Roman"/>
+            </a:endParaRPr>
+          </a:p>
+          <a:p>
+            <a:r>
+              <a:rPr lang="de-DE" sz="5200" dirty="0" smtClean="0">
+                <a:solidFill>
+                  <a:srgbClr val="000000"/>
+                </a:solidFill>
+                <a:latin typeface="Times New Roman"/>
+                <a:cs typeface="Times New Roman"/>
+              </a:rPr>
+              <a:t>als eine </a:t>
+            </a:r>
+            <a:r>
+              <a:rPr lang="de-DE" sz="5200" dirty="0">
+                <a:solidFill>
+                  <a:srgbClr val="000000"/>
+                </a:solidFill>
+                <a:latin typeface="Times New Roman"/>
+                <a:cs typeface="Times New Roman"/>
+              </a:rPr>
+              <a:t>der </a:t>
+            </a:r>
+            <a:r>
+              <a:rPr lang="de-DE" sz="5200" dirty="0" smtClean="0">
+                <a:solidFill>
+                  <a:srgbClr val="000000"/>
+                </a:solidFill>
+                <a:latin typeface="Times New Roman"/>
+                <a:cs typeface="Times New Roman"/>
+              </a:rPr>
+              <a:t>größten</a:t>
+            </a:r>
+          </a:p>
+          <a:p>
+            <a:r>
+              <a:rPr lang="de-DE" sz="5200" dirty="0" smtClean="0">
+                <a:solidFill>
+                  <a:srgbClr val="000000"/>
+                </a:solidFill>
+                <a:latin typeface="Times New Roman"/>
+                <a:cs typeface="Times New Roman"/>
+              </a:rPr>
+              <a:t>Problemstraßen </a:t>
+            </a:r>
+          </a:p>
+          <a:p>
+            <a:r>
+              <a:rPr lang="de-DE" sz="5200" dirty="0" smtClean="0">
+                <a:solidFill>
+                  <a:srgbClr val="000000"/>
+                </a:solidFill>
+                <a:latin typeface="Times New Roman"/>
+                <a:cs typeface="Times New Roman"/>
+              </a:rPr>
+              <a:t>Hamburgs</a:t>
+            </a:r>
+            <a:r>
+              <a:rPr lang="de-DE" sz="5200" dirty="0">
+                <a:solidFill>
+                  <a:srgbClr val="000000"/>
+                </a:solidFill>
+                <a:latin typeface="Times New Roman"/>
+                <a:cs typeface="Times New Roman"/>
+              </a:rPr>
+              <a:t>, doch </a:t>
+            </a:r>
+            <a:endParaRPr lang="de-DE" sz="5200" dirty="0" smtClean="0">
+              <a:solidFill>
+                <a:srgbClr val="000000"/>
+              </a:solidFill>
+              <a:latin typeface="Times New Roman"/>
+              <a:cs typeface="Times New Roman"/>
+            </a:endParaRPr>
+          </a:p>
+          <a:p>
+            <a:r>
+              <a:rPr lang="de-DE" sz="5200" dirty="0" smtClean="0">
+                <a:solidFill>
+                  <a:srgbClr val="000000"/>
+                </a:solidFill>
+                <a:latin typeface="Times New Roman"/>
+                <a:cs typeface="Times New Roman"/>
+              </a:rPr>
+              <a:t>verbessert </a:t>
+            </a:r>
+            <a:r>
+              <a:rPr lang="de-DE" sz="5200" dirty="0">
+                <a:solidFill>
+                  <a:srgbClr val="000000"/>
+                </a:solidFill>
+                <a:latin typeface="Times New Roman"/>
+                <a:cs typeface="Times New Roman"/>
+              </a:rPr>
+              <a:t>hat sich seitdem kaum etwas. </a:t>
+            </a:r>
+            <a:r>
+              <a:rPr lang="de-DE" sz="5200" dirty="0">
+                <a:solidFill>
+                  <a:srgbClr val="000000"/>
+                </a:solidFill>
+                <a:latin typeface="Times New Roman"/>
+                <a:cs typeface="Times New Roman"/>
+              </a:rPr>
+              <a:t>Die Stadt Hamburg hat gegen die Probleme nun ein Dieselfahrverbot für die Max-Brauer-Allee erlassen, der ADFC schlägt hingegen eine Tempo-30 Zone vor. </a:t>
+            </a:r>
+            <a:r>
+              <a:rPr lang="de-DE" sz="5200" dirty="0">
+                <a:solidFill>
+                  <a:srgbClr val="000000"/>
+                </a:solidFill>
+                <a:latin typeface="Times New Roman"/>
+                <a:cs typeface="Times New Roman"/>
+              </a:rPr>
+              <a:t>Mit unserer Simulation haben wir geprüft wie sinnvoll eine Tempo-30-Beschränkung in der Max-Brauer-Allee wäre</a:t>
+            </a:r>
+            <a:r>
+              <a:rPr lang="de-DE" sz="5200" dirty="0" smtClean="0">
+                <a:solidFill>
+                  <a:srgbClr val="000000"/>
+                </a:solidFill>
+                <a:latin typeface="Times New Roman"/>
+                <a:cs typeface="Times New Roman"/>
+              </a:rPr>
+              <a:t>.</a:t>
+            </a:r>
           </a:p>
         </p:txBody>
       </p:sp>
@@ -6448,11 +6615,25 @@
           <a:lstStyle/>
           <a:p>
             <a:r>
+              <a:rPr lang="de-DE" sz="10500" dirty="0" smtClean="0">
+                <a:latin typeface="American Typewriter"/>
+                <a:cs typeface="American Typewriter"/>
+              </a:rPr>
+              <a:t> Tempo 30 in </a:t>
+            </a:r>
+            <a:r>
               <a:rPr lang="de-DE" sz="10500" dirty="0">
                 <a:latin typeface="American Typewriter"/>
                 <a:cs typeface="American Typewriter"/>
               </a:rPr>
-              <a:t>Tempo 30 Zone in der Max-Brauer-Allee</a:t>
+              <a:t>der Max-Brauer-</a:t>
+            </a:r>
+            <a:r>
+              <a:rPr lang="de-DE" sz="10500" dirty="0" smtClean="0">
+                <a:latin typeface="American Typewriter"/>
+                <a:cs typeface="American Typewriter"/>
+              </a:rPr>
+              <a:t>Allee</a:t>
             </a:r>
             <a:endParaRPr lang="de-DE" sz="10500" dirty="0">
               <a:latin typeface="American Typewriter"/>
@@ -6524,7 +6705,14 @@
                 <a:latin typeface="American Typewriter"/>
                 <a:cs typeface="American Typewriter"/>
               </a:rPr>
-              <a:t>, Ivan Rätsch, Dominic Reschke</a:t>
+              <a:t>, Ivan Rätsch, </a:t>
+            </a:r>
+            <a:r>
+              <a:rPr lang="de-DE" sz="4800" dirty="0" smtClean="0">
+                <a:latin typeface="American Typewriter"/>
+                <a:cs typeface="American Typewriter"/>
+              </a:rPr>
+              <a:t>Dominic Reschke</a:t>
             </a:r>
             <a:endParaRPr lang="de-DE" sz="4800" dirty="0">
               <a:latin typeface="American Typewriter"/>
@@ -6578,8 +6766,8 @@
         </p:nvSpPr>
         <p:spPr>
           <a:xfrm>
-            <a:off x="1946370" y="16172661"/>
-            <a:ext cx="9966063" cy="1222835"/>
+            <a:off x="1755880" y="18470524"/>
+            <a:ext cx="9966063" cy="1202762"/>
           </a:xfrm>
           <a:prstGeom prst="rect">
             <a:avLst/>
@@ -6593,11 +6781,18 @@
           <a:lstStyle/>
           <a:p>
             <a:r>
+              <a:rPr lang="de-DE" sz="5200" b="1" dirty="0" smtClean="0">
+                <a:latin typeface="Times New Roman"/>
+                <a:cs typeface="Times New Roman"/>
+              </a:rPr>
+              <a:t>Vorgehensweise</a:t>
+            </a:r>
+            <a:r>
               <a:rPr lang="de-DE" sz="5200" b="1" dirty="0">
                 <a:latin typeface="Times New Roman"/>
                 <a:cs typeface="Times New Roman"/>
               </a:rPr>
-              <a:t>Vorgehensweise/Methodik</a:t>
+              <a:t>/Methodik</a:t>
             </a:r>
             <a:r>
               <a:rPr lang="de-DE" sz="5200" b="1" dirty="0"/>
@@ -6614,14 +6809,14 @@
           <p:nvPr>
             <p:extLst>
               <p:ext uri="{D42A27DB-BD31-4B8C-83A1-F6EECF244321}">
-                <p14:modId xmlns:p14="http://schemas.microsoft.com/office/powerpoint/2010/main" val="3085194604"/>
+                <p14:modId xmlns:p14="http://schemas.microsoft.com/office/powerpoint/2010/main" val="1419191537"/>
               </p:ext>
             </p:extLst>
           </p:nvPr>
         </p:nvGraphicFramePr>
         <p:xfrm>
-          <a:off x="1946366" y="17195158"/>
-          <a:ext cx="13379719" cy="2658590"/>
+          <a:off x="1755880" y="19081942"/>
+          <a:ext cx="13759702" cy="3266629"/>
         </p:xfrm>
         <a:graphic>
           <a:graphicData uri="http://schemas.openxmlformats.org/drawingml/2006/diagram">
@@ -6637,8 +6832,8 @@
         </p:nvSpPr>
         <p:spPr>
           <a:xfrm>
-            <a:off x="1946370" y="20457506"/>
-            <a:ext cx="12746404" cy="8559842"/>
+            <a:off x="1946352" y="22080729"/>
+            <a:ext cx="12746413" cy="6804296"/>
           </a:xfrm>
           <a:prstGeom prst="rect">
             <a:avLst/>
@@ -6657,27 +6852,99 @@
           <a:lstStyle/>
           <a:p>
             <a:r>
-              <a:rPr lang="de-DE" sz="5200" b="1" dirty="0"/>
+              <a:rPr lang="de-DE" sz="5200" b="1" dirty="0" smtClean="0">
+                <a:latin typeface="Times New Roman"/>
+                <a:cs typeface="Times New Roman"/>
+              </a:rPr>
               <a:t>Danksagung:</a:t>
             </a:r>
-            <a:endParaRPr lang="de-DE" sz="5200" dirty="0"/>
-          </a:p>
-          <a:p>
-            <a:r>
-              <a:rPr lang="de-DE" sz="5200" dirty="0"/>
-              <a:t>Für den erfolgreichen Projektablauf danken wir Herr Sommer (ADFC) für seine hilfreichen Ideen, Herr Dorn und Herr </a:t>
-            </a:r>
-            <a:r>
-              <a:rPr lang="de-DE" sz="5200" dirty="0" err="1"/>
+            <a:endParaRPr lang="de-DE" sz="5200" dirty="0" smtClean="0">
+              <a:latin typeface="Times New Roman"/>
+              <a:cs typeface="Times New Roman"/>
+            </a:endParaRPr>
+          </a:p>
+          <a:p>
+            <a:r>
+              <a:rPr lang="de-DE" sz="5200" dirty="0" smtClean="0">
+                <a:latin typeface="Times New Roman"/>
+                <a:cs typeface="Times New Roman"/>
+              </a:rPr>
+              <a:t>Für </a:t>
+            </a:r>
+            <a:r>
+              <a:rPr lang="de-DE" sz="5200" dirty="0">
+                <a:latin typeface="Times New Roman"/>
+                <a:cs typeface="Times New Roman"/>
+              </a:rPr>
+              <a:t>den erfolgreichen Projektablauf danken wir </a:t>
+            </a:r>
+            <a:r>
+              <a:rPr lang="de-DE" sz="5200" dirty="0" smtClean="0">
+                <a:latin typeface="Times New Roman"/>
+                <a:cs typeface="Times New Roman"/>
+              </a:rPr>
+              <a:t>Herrn </a:t>
+            </a:r>
+            <a:r>
+              <a:rPr lang="de-DE" sz="5200" dirty="0">
+                <a:latin typeface="Times New Roman"/>
+                <a:cs typeface="Times New Roman"/>
+              </a:rPr>
+              <a:t>Sommer (ADFC) für seine hilfreichen Ideen, </a:t>
+            </a:r>
+            <a:r>
+              <a:rPr lang="de-DE" sz="5200" dirty="0" smtClean="0">
+                <a:latin typeface="Times New Roman"/>
+                <a:cs typeface="Times New Roman"/>
+              </a:rPr>
+              <a:t>Herrn </a:t>
+            </a:r>
+            <a:r>
+              <a:rPr lang="de-DE" sz="5200" dirty="0">
+                <a:latin typeface="Times New Roman"/>
+                <a:cs typeface="Times New Roman"/>
+              </a:rPr>
+              <a:t>Dorn und </a:t>
+            </a:r>
+            <a:r>
+              <a:rPr lang="de-DE" sz="5200" dirty="0" smtClean="0">
+                <a:latin typeface="Times New Roman"/>
+                <a:cs typeface="Times New Roman"/>
+              </a:rPr>
+              <a:t>Herrn </a:t>
+            </a:r>
+            <a:r>
+              <a:rPr lang="de-DE" sz="5200" dirty="0" err="1">
+                <a:latin typeface="Times New Roman"/>
+                <a:cs typeface="Times New Roman"/>
+              </a:rPr>
               <a:t>Lohrberg</a:t>
             </a:r>
             <a:r>
-              <a:rPr lang="de-DE" sz="5200" dirty="0"/>
-              <a:t> (KAIFU) für konstante Unterstützung und Unterrichtszeit. Essentiell waren auch die Verkehrsdaten, die uns Herr Tuna vom LSGB zur Verfügung gestellt hat.</a:t>
-            </a:r>
-          </a:p>
-          <a:p>
-            <a:endParaRPr lang="de-DE" sz="5200" dirty="0"/>
+              <a:rPr lang="de-DE" sz="5200" dirty="0">
+                <a:latin typeface="Times New Roman"/>
+                <a:cs typeface="Times New Roman"/>
+              </a:rPr>
+              <a:t> (KAIFU) für konstante Unterstützung und Unterrichtszeit. </a:t>
+            </a:r>
+            <a:r>
+              <a:rPr lang="de-DE" sz="5200" dirty="0">
+                <a:latin typeface="Times New Roman"/>
+                <a:cs typeface="Times New Roman"/>
+              </a:rPr>
+              <a:t>Essentiell waren auch die Verkehrsdaten, die uns Herr Tuna vom LSGB zur Verfügung gestellt hat</a:t>
+            </a:r>
+            <a:r>
+              <a:rPr lang="de-DE" sz="5200" dirty="0" smtClean="0">
+                <a:latin typeface="Times New Roman"/>
+                <a:cs typeface="Times New Roman"/>
+              </a:rPr>
+              <a:t>.</a:t>
+            </a:r>
+            <a:endParaRPr lang="de-DE" sz="5200" dirty="0">
+              <a:latin typeface="Times New Roman"/>
+              <a:cs typeface="Times New Roman"/>
+            </a:endParaRPr>
           </a:p>
         </p:txBody>
       </p:sp>
@@ -6689,8 +6956,8 @@
         </p:nvSpPr>
         <p:spPr>
           <a:xfrm>
-            <a:off x="15706068" y="6466393"/>
-            <a:ext cx="13172831" cy="22418632"/>
+            <a:off x="15706068" y="6466392"/>
+            <a:ext cx="12485841" cy="22418631"/>
           </a:xfrm>
           <a:prstGeom prst="rect">
             <a:avLst/>
@@ -6709,7 +6976,10 @@
           <a:lstStyle/>
           <a:p>
             <a:r>
-              <a:rPr lang="de-DE" sz="5200" b="1" dirty="0"/>
+              <a:rPr lang="de-DE" sz="5200" b="1" dirty="0">
+                <a:latin typeface="Times New Roman"/>
+                <a:cs typeface="Times New Roman"/>
+              </a:rPr>
               <a:t>Ergebnisse:</a:t>
             </a:r>
           </a:p>
@@ -6801,8 +7071,8 @@
         </p:nvSpPr>
         <p:spPr>
           <a:xfrm>
-            <a:off x="30061070" y="6489292"/>
-            <a:ext cx="10512939" cy="22418632"/>
+            <a:off x="30541234" y="6489291"/>
+            <a:ext cx="10667209" cy="25209340"/>
           </a:xfrm>
           <a:prstGeom prst="rect">
             <a:avLst/>
@@ -6821,9 +7091,109 @@
           <a:lstStyle/>
           <a:p>
             <a:r>
-              <a:rPr lang="de-DE" sz="5200" b="1" dirty="0"/>
-              <a:t>Fazit:</a:t>
-            </a:r>
+              <a:rPr lang="de-DE" sz="5200" b="1" dirty="0">
+                <a:latin typeface="Times New Roman"/>
+                <a:cs typeface="Times New Roman"/>
+              </a:rPr>
+              <a:t>Fazit</a:t>
+            </a:r>
+            <a:r>
+              <a:rPr lang="de-DE" sz="5200" b="1" dirty="0" smtClean="0">
+                <a:latin typeface="Times New Roman"/>
+                <a:cs typeface="Times New Roman"/>
+              </a:rPr>
+              <a:t>:</a:t>
+            </a:r>
+          </a:p>
+          <a:p>
+            <a:r>
+              <a:rPr lang="de-DE" sz="5200" dirty="0" smtClean="0">
+                <a:latin typeface="Times New Roman"/>
+                <a:cs typeface="Times New Roman"/>
+              </a:rPr>
+              <a:t>Die Kriterien nach denen wir ausgewertet haben sind:</a:t>
+            </a:r>
+          </a:p>
+          <a:p>
+            <a:pPr marL="685800" indent="-685800">
+              <a:buFont typeface="Arial"/>
+              <a:buChar char="•"/>
+            </a:pPr>
+            <a:r>
+              <a:rPr lang="de-DE" sz="5200" dirty="0" smtClean="0">
+                <a:latin typeface="Times New Roman"/>
+                <a:cs typeface="Times New Roman"/>
+              </a:rPr>
+              <a:t>Lärmbelastung</a:t>
+            </a:r>
+            <a:endParaRPr lang="de-DE" sz="5200" dirty="0">
+              <a:latin typeface="Times New Roman"/>
+              <a:cs typeface="Times New Roman"/>
+            </a:endParaRPr>
+          </a:p>
+          <a:p>
+            <a:pPr marL="685800" indent="-685800">
+              <a:buFont typeface="Arial"/>
+              <a:buChar char="•"/>
+            </a:pPr>
+            <a:r>
+              <a:rPr lang="de-DE" sz="5200" dirty="0" smtClean="0">
+                <a:latin typeface="Times New Roman"/>
+                <a:cs typeface="Times New Roman"/>
+              </a:rPr>
+              <a:t>Schadstoffausstoß</a:t>
+            </a:r>
+          </a:p>
+          <a:p>
+            <a:pPr marL="685800" indent="-685800">
+              <a:buFont typeface="Arial"/>
+              <a:buChar char="•"/>
+            </a:pPr>
+            <a:r>
+              <a:rPr lang="de-DE" sz="5200" dirty="0" smtClean="0">
+                <a:latin typeface="Times New Roman"/>
+                <a:cs typeface="Times New Roman"/>
+              </a:rPr>
+              <a:t>Busverkehr</a:t>
+            </a:r>
+          </a:p>
+          <a:p>
+            <a:pPr marL="685800" indent="-685800">
+              <a:buFont typeface="Arial"/>
+              <a:buChar char="•"/>
+            </a:pPr>
+            <a:r>
+              <a:rPr lang="de-DE" sz="5200" dirty="0" smtClean="0">
+                <a:latin typeface="Times New Roman"/>
+                <a:cs typeface="Times New Roman"/>
+              </a:rPr>
+              <a:t>Verkehrsfluss</a:t>
+            </a:r>
+          </a:p>
+          <a:p>
+            <a:pPr marL="685800" indent="-685800">
+              <a:buFont typeface="Arial"/>
+              <a:buChar char="•"/>
+            </a:pPr>
+            <a:r>
+              <a:rPr lang="de-DE" sz="5200" dirty="0" smtClean="0">
+                <a:latin typeface="Times New Roman"/>
+                <a:cs typeface="Times New Roman"/>
+              </a:rPr>
+              <a:t>Sicherheit für Fahrradfahrer</a:t>
+            </a:r>
+          </a:p>
+          <a:p>
+            <a:endParaRPr lang="de-DE" sz="5200" dirty="0">
+              <a:latin typeface="Times New Roman"/>
+              <a:cs typeface="Times New Roman"/>
+            </a:endParaRPr>
+          </a:p>
+          <a:p>
+            <a:endParaRPr lang="de-DE" sz="5200" dirty="0">
+              <a:latin typeface="Times New Roman"/>
+              <a:cs typeface="Times New Roman"/>
+            </a:endParaRPr>
           </a:p>
           <a:p>
             <a:endParaRPr lang="de-DE" sz="5200" b="1" dirty="0"/>
@@ -6847,43 +7217,28 @@
             <a:endParaRPr lang="de-DE" sz="5200" b="1" dirty="0"/>
           </a:p>
           <a:p>
+            <a:endParaRPr lang="de-DE" sz="5200" b="1" dirty="0" smtClean="0"/>
+          </a:p>
+          <a:p>
             <a:endParaRPr lang="de-DE" sz="5200" b="1" dirty="0"/>
           </a:p>
           <a:p>
+            <a:endParaRPr lang="de-DE" sz="5200" b="1" dirty="0" smtClean="0"/>
+          </a:p>
+          <a:p>
             <a:endParaRPr lang="de-DE" sz="5200" b="1" dirty="0"/>
           </a:p>
           <a:p>
+            <a:endParaRPr lang="de-DE" sz="5200" b="1" dirty="0" smtClean="0"/>
+          </a:p>
+          <a:p>
             <a:endParaRPr lang="de-DE" sz="5200" b="1" dirty="0"/>
           </a:p>
           <a:p>
-            <a:endParaRPr lang="de-DE" sz="5200" b="1" dirty="0"/>
-          </a:p>
-          <a:p>
-            <a:endParaRPr lang="de-DE" sz="5200" b="1" dirty="0"/>
-          </a:p>
-          <a:p>
-            <a:endParaRPr lang="de-DE" sz="5200" b="1" dirty="0"/>
-          </a:p>
-          <a:p>
-            <a:endParaRPr lang="de-DE" sz="5200" b="1" dirty="0"/>
-          </a:p>
-          <a:p>
-            <a:endParaRPr lang="de-DE" sz="5200" b="1" dirty="0"/>
-          </a:p>
-          <a:p>
-            <a:endParaRPr lang="de-DE" sz="5200" b="1" dirty="0"/>
-          </a:p>
-          <a:p>
-            <a:endParaRPr lang="de-DE" sz="5200" b="1" dirty="0"/>
-          </a:p>
-          <a:p>
-            <a:endParaRPr lang="de-DE" sz="5200" b="1" dirty="0"/>
-          </a:p>
-          <a:p>
-            <a:endParaRPr lang="de-DE" sz="5200" b="1" dirty="0"/>
-          </a:p>
-          <a:p>
-            <a:endParaRPr lang="de-DE" sz="5200" b="1" dirty="0"/>
+            <a:endParaRPr lang="de-DE" sz="5200" b="1" dirty="0" smtClean="0"/>
+          </a:p>
+          <a:p>
+            <a:endParaRPr lang="de-DE" sz="5200" b="1" dirty="0" smtClean="0"/>
           </a:p>
           <a:p>
             <a:endParaRPr lang="de-DE" sz="5200" b="1" dirty="0"/>
@@ -6905,6 +7260,36 @@
           </a:p>
         </p:txBody>
       </p:sp>
+      <p:pic>
+        <p:nvPicPr>
+          <p:cNvPr id="7" name="Bild 6" descr="csm_20160500_Max-Brauer-Allee_part_19ab202768.jpg"/>
+          <p:cNvPicPr>
+            <a:picLocks noChangeAspect="1"/>
+          </p:cNvPicPr>
+          <p:nvPr/>
+        </p:nvPicPr>
+        <p:blipFill>
+          <a:blip r:embed="rId8">
+            <a:extLst>
+              <a:ext uri="{28A0092B-C50C-407E-A947-70E740481C1C}">
+                <a14:useLocalDpi xmlns:a14="http://schemas.microsoft.com/office/drawing/2010/main" val="0"/>
+              </a:ext>
+            </a:extLst>
+          </a:blip>
+          <a:stretch>
+            <a:fillRect/>
+          </a:stretch>
+        </p:blipFill>
+        <p:spPr>
+          <a:xfrm>
+            <a:off x="8444603" y="6489292"/>
+            <a:ext cx="6248162" cy="4686122"/>
+          </a:xfrm>
+          <a:prstGeom prst="rect">
+            <a:avLst/>
+          </a:prstGeom>
+        </p:spPr>
+      </p:pic>
     </p:spTree>
     <p:extLst>
       <p:ext uri="{BB962C8B-B14F-4D97-AF65-F5344CB8AC3E}">
